--- a/ppt 16-9/0136.神在做事.pptx
+++ b/ppt 16-9/0136.神在做事.pptx
@@ -5,7 +5,7 @@
     <p:sldMasterId id="2147483648" r:id="rId1"/>
   </p:sldMasterIdLst>
   <p:sldIdLst>
-    <p:sldId id="2717" r:id="rId2"/>
+    <p:sldId id="2719" r:id="rId2"/>
   </p:sldIdLst>
   <p:sldSz cx="12192000" cy="6858000"/>
   <p:notesSz cx="6858000" cy="9144000"/>
@@ -104,6 +104,11 @@
       </a:defRPr>
     </a:lvl9pPr>
   </p:defaultTextStyle>
+  <p:extLst>
+    <p:ext uri="{EFAFB233-063F-42B5-8137-9DF3F51BA10A}">
+      <p15:sldGuideLst xmlns:p15="http://schemas.microsoft.com/office/powerpoint/2012/main"/>
+    </p:ext>
+  </p:extLst>
 </p:presentation>
 </file>
 
@@ -3323,7 +3328,7 @@
       </p:grpSpPr>
       <p:pic>
         <p:nvPicPr>
-          <p:cNvPr id="139266" name="Picture 2" descr="135"/>
+          <p:cNvPr id="140290" name="Picture 2" descr="136"/>
           <p:cNvPicPr>
             <a:picLocks noChangeAspect="1" noChangeArrowheads="1"/>
           </p:cNvPicPr>
